--- a/web/b22/4 Oral Presentation.pptx
+++ b/web/b22/4 Oral Presentation.pptx
@@ -8627,7 +8627,19 @@
               <a:rPr lang="en-GB" altLang="da-DK" sz="1600" kern="0" dirty="0" smtClean="0">
                 <a:ea typeface="ＭＳ Ｐゴシック" pitchFamily="34" charset="-128"/>
               </a:rPr>
-              <a:t>If you are in bachelor group you are allowed to help each other – but avoid getting too identical presentations</a:t>
+              <a:t>If you are in </a:t>
+            </a:r>
+            <a:r>
+              <a:rPr lang="en-GB" altLang="da-DK" sz="1600" kern="0" dirty="0" smtClean="0">
+                <a:ea typeface="ＭＳ Ｐゴシック" pitchFamily="34" charset="-128"/>
+              </a:rPr>
+              <a:t>a bachelor </a:t>
+            </a:r>
+            <a:r>
+              <a:rPr lang="en-GB" altLang="da-DK" sz="1600" kern="0" dirty="0" smtClean="0">
+                <a:ea typeface="ＭＳ Ｐゴシック" pitchFamily="34" charset="-128"/>
+              </a:rPr>
+              <a:t>group you are allowed to help each other – but avoid getting too identical presentations</a:t>
             </a:r>
             <a:endParaRPr lang="en-GB" altLang="da-DK" sz="1600" kern="0" dirty="0">
               <a:ea typeface="ＭＳ Ｐゴシック" pitchFamily="34" charset="-128"/>
@@ -9840,7 +9852,22 @@
               <a:rPr lang="en-GB" altLang="da-DK" sz="1600" kern="0" spc="-30" dirty="0" smtClean="0">
                 <a:ea typeface="ＭＳ Ｐゴシック" pitchFamily="34" charset="-128"/>
               </a:rPr>
-              <a:t>group – prior </a:t>
+              <a:t>group </a:t>
+            </a:r>
+            <a:r>
+              <a:rPr lang="en-GB" altLang="da-DK" sz="1600" b="1" kern="0" spc="-30" dirty="0" smtClean="0">
+                <a:solidFill>
+                  <a:srgbClr val="008000"/>
+                </a:solidFill>
+                <a:ea typeface="ＭＳ Ｐゴシック" pitchFamily="34" charset="-128"/>
+              </a:rPr>
+              <a:t>prior</a:t>
+            </a:r>
+            <a:r>
+              <a:rPr lang="en-GB" altLang="da-DK" sz="1600" kern="0" spc="-30" dirty="0" smtClean="0">
+                <a:ea typeface="ＭＳ Ｐゴシック" pitchFamily="34" charset="-128"/>
+              </a:rPr>
+              <a:t> </a:t>
             </a:r>
             <a:r>
               <a:rPr lang="en-GB" altLang="da-DK" sz="1600" kern="0" spc="-30" dirty="0">
@@ -10071,137 +10098,38 @@
         </p:blipFill>
         <p:spPr>
           <a:xfrm>
-            <a:off x="3563888" y="5264962"/>
-            <a:ext cx="3312368" cy="417358"/>
+            <a:off x="3604528" y="5044217"/>
+            <a:ext cx="3121392" cy="417358"/>
           </a:xfrm>
           <a:prstGeom prst="rect">
             <a:avLst/>
           </a:prstGeom>
         </p:spPr>
       </p:pic>
-      <p:grpSp>
-        <p:nvGrpSpPr>
-          <p:cNvPr id="6" name="Group 5"/>
-          <p:cNvGrpSpPr/>
+      <p:pic>
+        <p:nvPicPr>
+          <p:cNvPr id="8" name="Picture 7"/>
+          <p:cNvPicPr>
+            <a:picLocks noChangeAspect="1"/>
+          </p:cNvPicPr>
           <p:nvPr/>
-        </p:nvGrpSpPr>
-        <p:grpSpPr>
+        </p:nvPicPr>
+        <p:blipFill>
+          <a:blip r:embed="rId5"/>
+          <a:stretch>
+            <a:fillRect/>
+          </a:stretch>
+        </p:blipFill>
+        <p:spPr>
           <a:xfrm>
-            <a:off x="3574926" y="5687159"/>
-            <a:ext cx="2365226" cy="1054210"/>
-            <a:chOff x="962526" y="5495965"/>
-            <a:chExt cx="2354188" cy="1184271"/>
+            <a:off x="3574816" y="5439307"/>
+            <a:ext cx="3157424" cy="1310768"/>
           </a:xfrm>
-        </p:grpSpPr>
-        <p:pic>
-          <p:nvPicPr>
-            <p:cNvPr id="3" name="Picture 2"/>
-            <p:cNvPicPr>
-              <a:picLocks noChangeAspect="1"/>
-            </p:cNvPicPr>
-            <p:nvPr/>
-          </p:nvPicPr>
-          <p:blipFill>
-            <a:blip r:embed="rId5"/>
-            <a:stretch>
-              <a:fillRect/>
-            </a:stretch>
-          </p:blipFill>
-          <p:spPr>
-            <a:xfrm>
-              <a:off x="962526" y="5495965"/>
-              <a:ext cx="2354188" cy="1184271"/>
-            </a:xfrm>
-            <a:prstGeom prst="rect">
-              <a:avLst/>
-            </a:prstGeom>
-          </p:spPr>
-        </p:pic>
-        <p:sp>
-          <p:nvSpPr>
-            <p:cNvPr id="5" name="TextBox 4"/>
-            <p:cNvSpPr txBox="1"/>
-            <p:nvPr/>
-          </p:nvSpPr>
-          <p:spPr>
-            <a:xfrm>
-              <a:off x="1023587" y="6025390"/>
-              <a:ext cx="1034257" cy="276999"/>
-            </a:xfrm>
-            <a:prstGeom prst="rect">
-              <a:avLst/>
-            </a:prstGeom>
-            <a:solidFill>
-              <a:schemeClr val="bg1">
-                <a:lumMod val="95000"/>
-              </a:schemeClr>
-            </a:solidFill>
-          </p:spPr>
-          <p:txBody>
-            <a:bodyPr wrap="none" rtlCol="0">
-              <a:spAutoFit/>
-            </a:bodyPr>
-            <a:lstStyle/>
-            <a:p>
-              <a:r>
-                <a:rPr lang="da-DK" sz="1200" b="1" dirty="0" smtClean="0">
-                  <a:solidFill>
-                    <a:schemeClr val="tx1"/>
-                  </a:solidFill>
-                </a:rPr>
-                <a:t>Hold oplæg</a:t>
-              </a:r>
-              <a:endParaRPr lang="da-DK" sz="1200" b="1" dirty="0">
-                <a:solidFill>
-                  <a:schemeClr val="tx1"/>
-                </a:solidFill>
-              </a:endParaRPr>
-            </a:p>
-          </p:txBody>
-        </p:sp>
-        <p:sp>
-          <p:nvSpPr>
-            <p:cNvPr id="9" name="TextBox 8"/>
-            <p:cNvSpPr txBox="1"/>
-            <p:nvPr/>
-          </p:nvSpPr>
-          <p:spPr>
-            <a:xfrm>
-              <a:off x="1022239" y="6347723"/>
-              <a:ext cx="934871" cy="276999"/>
-            </a:xfrm>
-            <a:prstGeom prst="rect">
-              <a:avLst/>
-            </a:prstGeom>
-            <a:solidFill>
-              <a:schemeClr val="bg1">
-                <a:lumMod val="95000"/>
-              </a:schemeClr>
-            </a:solidFill>
-          </p:spPr>
-          <p:txBody>
-            <a:bodyPr wrap="none" rtlCol="0">
-              <a:spAutoFit/>
-            </a:bodyPr>
-            <a:lstStyle/>
-            <a:p>
-              <a:r>
-                <a:rPr lang="da-DK" sz="1200" b="1" dirty="0" smtClean="0">
-                  <a:solidFill>
-                    <a:schemeClr val="tx1"/>
-                  </a:solidFill>
-                </a:rPr>
-                <a:t>Nervøsitet</a:t>
-              </a:r>
-              <a:endParaRPr lang="da-DK" sz="1200" b="1" dirty="0">
-                <a:solidFill>
-                  <a:schemeClr val="tx1"/>
-                </a:solidFill>
-              </a:endParaRPr>
-            </a:p>
-          </p:txBody>
-        </p:sp>
-      </p:grpSp>
+          <a:prstGeom prst="rect">
+            <a:avLst/>
+          </a:prstGeom>
+        </p:spPr>
+      </p:pic>
     </p:spTree>
     <p:extLst>
       <p:ext uri="{BB962C8B-B14F-4D97-AF65-F5344CB8AC3E}">
@@ -10216,102 +10144,7 @@
   <p:timing>
     <p:tnLst>
       <p:par>
-        <p:cTn id="1" dur="indefinite" restart="never" nodeType="tmRoot">
-          <p:childTnLst>
-            <p:seq concurrent="1" nextAc="seek">
-              <p:cTn id="2" dur="indefinite" nodeType="mainSeq">
-                <p:childTnLst>
-                  <p:par>
-                    <p:cTn id="3" fill="hold">
-                      <p:stCondLst>
-                        <p:cond delay="indefinite"/>
-                      </p:stCondLst>
-                      <p:childTnLst>
-                        <p:par>
-                          <p:cTn id="4" fill="hold">
-                            <p:stCondLst>
-                              <p:cond delay="0"/>
-                            </p:stCondLst>
-                            <p:childTnLst>
-                              <p:par>
-                                <p:cTn id="5" presetID="1" presetClass="entr" presetSubtype="0" fill="hold" nodeType="clickEffect">
-                                  <p:stCondLst>
-                                    <p:cond delay="0"/>
-                                  </p:stCondLst>
-                                  <p:childTnLst>
-                                    <p:set>
-                                      <p:cBhvr>
-                                        <p:cTn id="6" dur="1" fill="hold">
-                                          <p:stCondLst>
-                                            <p:cond delay="0"/>
-                                          </p:stCondLst>
-                                        </p:cTn>
-                                        <p:tgtEl>
-                                          <p:spTgt spid="4"/>
-                                        </p:tgtEl>
-                                        <p:attrNameLst>
-                                          <p:attrName>style.visibility</p:attrName>
-                                        </p:attrNameLst>
-                                      </p:cBhvr>
-                                      <p:to>
-                                        <p:strVal val="visible"/>
-                                      </p:to>
-                                    </p:set>
-                                  </p:childTnLst>
-                                </p:cTn>
-                              </p:par>
-                              <p:par>
-                                <p:cTn id="7" presetID="1" presetClass="entr" presetSubtype="0" fill="hold" nodeType="withEffect">
-                                  <p:stCondLst>
-                                    <p:cond delay="0"/>
-                                  </p:stCondLst>
-                                  <p:childTnLst>
-                                    <p:set>
-                                      <p:cBhvr>
-                                        <p:cTn id="8" dur="1" fill="hold">
-                                          <p:stCondLst>
-                                            <p:cond delay="0"/>
-                                          </p:stCondLst>
-                                        </p:cTn>
-                                        <p:tgtEl>
-                                          <p:spTgt spid="6"/>
-                                        </p:tgtEl>
-                                        <p:attrNameLst>
-                                          <p:attrName>style.visibility</p:attrName>
-                                        </p:attrNameLst>
-                                      </p:cBhvr>
-                                      <p:to>
-                                        <p:strVal val="visible"/>
-                                      </p:to>
-                                    </p:set>
-                                  </p:childTnLst>
-                                </p:cTn>
-                              </p:par>
-                            </p:childTnLst>
-                          </p:cTn>
-                        </p:par>
-                      </p:childTnLst>
-                    </p:cTn>
-                  </p:par>
-                </p:childTnLst>
-              </p:cTn>
-              <p:prevCondLst>
-                <p:cond evt="onPrev" delay="0">
-                  <p:tgtEl>
-                    <p:sldTgt/>
-                  </p:tgtEl>
-                </p:cond>
-              </p:prevCondLst>
-              <p:nextCondLst>
-                <p:cond evt="onNext" delay="0">
-                  <p:tgtEl>
-                    <p:sldTgt/>
-                  </p:tgtEl>
-                </p:cond>
-              </p:nextCondLst>
-            </p:seq>
-          </p:childTnLst>
-        </p:cTn>
+        <p:cTn id="1" dur="indefinite" restart="never" nodeType="tmRoot"/>
       </p:par>
     </p:tnLst>
   </p:timing>
